--- a/Git-intro-lesson.pptx
+++ b/Git-intro-lesson.pptx
@@ -5,7 +5,7 @@
     <p:sldMasterId id="2147483660" r:id="rId1"/>
   </p:sldMasterIdLst>
   <p:notesMasterIdLst>
-    <p:notesMasterId r:id="rId16"/>
+    <p:notesMasterId r:id="rId17"/>
   </p:notesMasterIdLst>
   <p:sldIdLst>
     <p:sldId id="256" r:id="rId2"/>
@@ -22,6 +22,7 @@
     <p:sldId id="267" r:id="rId13"/>
     <p:sldId id="268" r:id="rId14"/>
     <p:sldId id="269" r:id="rId15"/>
+    <p:sldId id="270" r:id="rId16"/>
   </p:sldIdLst>
   <p:sldSz cx="12192000" cy="6858000"/>
   <p:notesSz cx="6858000" cy="9144000"/>
@@ -1147,6 +1148,90 @@
     <p:extLst>
       <p:ext uri="{BB962C8B-B14F-4D97-AF65-F5344CB8AC3E}">
         <p14:creationId xmlns:p14="http://schemas.microsoft.com/office/powerpoint/2010/main" val="3528775748"/>
+      </p:ext>
+    </p:extLst>
+  </p:cSld>
+  <p:clrMapOvr>
+    <a:masterClrMapping/>
+  </p:clrMapOvr>
+</p:notes>
+</file>
+
+<file path=ppt/notesSlides/notesSlide9.xml><?xml version="1.0" encoding="utf-8"?>
+<p:notes xmlns:a="http://schemas.openxmlformats.org/drawingml/2006/main" xmlns:r="http://schemas.openxmlformats.org/officeDocument/2006/relationships" xmlns:p="http://schemas.openxmlformats.org/presentationml/2006/main">
+  <p:cSld>
+    <p:spTree>
+      <p:nvGrpSpPr>
+        <p:cNvPr id="1" name=""/>
+        <p:cNvGrpSpPr/>
+        <p:nvPr/>
+      </p:nvGrpSpPr>
+      <p:grpSpPr>
+        <a:xfrm>
+          <a:off x="0" y="0"/>
+          <a:ext cx="0" cy="0"/>
+          <a:chOff x="0" y="0"/>
+          <a:chExt cx="0" cy="0"/>
+        </a:xfrm>
+      </p:grpSpPr>
+      <p:sp>
+        <p:nvSpPr>
+          <p:cNvPr id="2" name="Slide Image Placeholder 1"/>
+          <p:cNvSpPr>
+            <a:spLocks noGrp="1" noRot="1" noChangeAspect="1"/>
+          </p:cNvSpPr>
+          <p:nvPr>
+            <p:ph type="sldImg"/>
+          </p:nvPr>
+        </p:nvSpPr>
+        <p:spPr/>
+      </p:sp>
+      <p:sp>
+        <p:nvSpPr>
+          <p:cNvPr id="3" name="Notes Placeholder 2"/>
+          <p:cNvSpPr>
+            <a:spLocks noGrp="1"/>
+          </p:cNvSpPr>
+          <p:nvPr>
+            <p:ph type="body" idx="1"/>
+          </p:nvPr>
+        </p:nvSpPr>
+        <p:spPr/>
+        <p:txBody>
+          <a:bodyPr/>
+          <a:lstStyle/>
+          <a:p>
+            <a:endParaRPr lang="en-GB" dirty="0"/>
+          </a:p>
+        </p:txBody>
+      </p:sp>
+      <p:sp>
+        <p:nvSpPr>
+          <p:cNvPr id="4" name="Slide Number Placeholder 3"/>
+          <p:cNvSpPr>
+            <a:spLocks noGrp="1"/>
+          </p:cNvSpPr>
+          <p:nvPr>
+            <p:ph type="sldNum" sz="quarter" idx="5"/>
+          </p:nvPr>
+        </p:nvSpPr>
+        <p:spPr/>
+        <p:txBody>
+          <a:bodyPr/>
+          <a:lstStyle/>
+          <a:p>
+            <a:fld id="{B58D2192-E6A5-47BF-A709-313BD836E114}" type="slidenum">
+              <a:rPr lang="en-GB" smtClean="0"/>
+              <a:t>15</a:t>
+            </a:fld>
+            <a:endParaRPr lang="en-GB"/>
+          </a:p>
+        </p:txBody>
+      </p:sp>
+    </p:spTree>
+    <p:extLst>
+      <p:ext uri="{BB962C8B-B14F-4D97-AF65-F5344CB8AC3E}">
+        <p14:creationId xmlns:p14="http://schemas.microsoft.com/office/powerpoint/2010/main" val="113957373"/>
       </p:ext>
     </p:extLst>
   </p:cSld>
@@ -6007,14 +6092,7 @@
                 <a:effectLst/>
                 <a:latin typeface="Consolas" panose="020B0609020204030204" pitchFamily="49" charset="0"/>
               </a:rPr>
-              <a:t>The working directory- stage </a:t>
-            </a:r>
-            <a:r>
-              <a:rPr lang="en-US">
-                <a:effectLst/>
-                <a:latin typeface="Consolas" panose="020B0609020204030204" pitchFamily="49" charset="0"/>
-              </a:rPr>
-              <a:t>area status</a:t>
+              <a:t>The working directory- stage area status</a:t>
             </a:r>
             <a:br>
               <a:rPr lang="en-US" dirty="0">
@@ -6066,6 +6144,72 @@
     <p:extLst>
       <p:ext uri="{BB962C8B-B14F-4D97-AF65-F5344CB8AC3E}">
         <p14:creationId xmlns:p14="http://schemas.microsoft.com/office/powerpoint/2010/main" val="3238098807"/>
+      </p:ext>
+    </p:extLst>
+  </p:cSld>
+  <p:clrMapOvr>
+    <a:masterClrMapping/>
+  </p:clrMapOvr>
+</p:sld>
+</file>
+
+<file path=ppt/slides/slide15.xml><?xml version="1.0" encoding="utf-8"?>
+<p:sld xmlns:a="http://schemas.openxmlformats.org/drawingml/2006/main" xmlns:r="http://schemas.openxmlformats.org/officeDocument/2006/relationships" xmlns:p="http://schemas.openxmlformats.org/presentationml/2006/main">
+  <p:cSld>
+    <p:spTree>
+      <p:nvGrpSpPr>
+        <p:cNvPr id="1" name=""/>
+        <p:cNvGrpSpPr/>
+        <p:nvPr/>
+      </p:nvGrpSpPr>
+      <p:grpSpPr>
+        <a:xfrm>
+          <a:off x="0" y="0"/>
+          <a:ext cx="0" cy="0"/>
+          <a:chOff x="0" y="0"/>
+          <a:chExt cx="0" cy="0"/>
+        </a:xfrm>
+      </p:grpSpPr>
+      <p:pic>
+        <p:nvPicPr>
+          <p:cNvPr id="5" name="Picture 4" descr="A diagram of a diagram of a git history">
+            <a:extLst>
+              <a:ext uri="{FF2B5EF4-FFF2-40B4-BE49-F238E27FC236}">
+                <a16:creationId xmlns:a16="http://schemas.microsoft.com/office/drawing/2014/main" id="{2014EA5E-0783-78F3-4288-FE2A3424BB81}"/>
+              </a:ext>
+            </a:extLst>
+          </p:cNvPr>
+          <p:cNvPicPr>
+            <a:picLocks noChangeAspect="1"/>
+          </p:cNvPicPr>
+          <p:nvPr/>
+        </p:nvPicPr>
+        <p:blipFill>
+          <a:blip r:embed="rId3">
+            <a:extLst>
+              <a:ext uri="{28A0092B-C50C-407E-A947-70E740481C1C}">
+                <a14:useLocalDpi xmlns:a14="http://schemas.microsoft.com/office/drawing/2010/main" val="0"/>
+              </a:ext>
+            </a:extLst>
+          </a:blip>
+          <a:stretch>
+            <a:fillRect/>
+          </a:stretch>
+        </p:blipFill>
+        <p:spPr>
+          <a:xfrm>
+            <a:off x="1" y="446314"/>
+            <a:ext cx="12079504" cy="6056653"/>
+          </a:xfrm>
+          <a:prstGeom prst="rect">
+            <a:avLst/>
+          </a:prstGeom>
+        </p:spPr>
+      </p:pic>
+    </p:spTree>
+    <p:extLst>
+      <p:ext uri="{BB962C8B-B14F-4D97-AF65-F5344CB8AC3E}">
+        <p14:creationId xmlns:p14="http://schemas.microsoft.com/office/powerpoint/2010/main" val="3319938184"/>
       </p:ext>
     </p:extLst>
   </p:cSld>
